--- a/ppt 16-9/0583.主爱有多少.pptx
+++ b/ppt 16-9/0583.主爱有多少.pptx
@@ -129,7 +129,7 @@
           <p:cNvPr id="2" name="标题 1">
             <a:extLst>
               <a:ext uri="{FF2B5EF4-FFF2-40B4-BE49-F238E27FC236}">
-                <a16:creationId xmlns:a16="http://schemas.microsoft.com/office/drawing/2014/main" id="{3A0542B8-24CC-4960-860C-F56063A732AF}"/>
+                <a16:creationId xmlns:a16="http://schemas.microsoft.com/office/drawing/2014/main" id="{959EC771-D965-FC83-F42A-C96F7EECC1D1}"/>
               </a:ext>
             </a:extLst>
           </p:cNvPr>
@@ -166,7 +166,7 @@
           <p:cNvPr id="3" name="副标题 2">
             <a:extLst>
               <a:ext uri="{FF2B5EF4-FFF2-40B4-BE49-F238E27FC236}">
-                <a16:creationId xmlns:a16="http://schemas.microsoft.com/office/drawing/2014/main" id="{18B14960-B4A7-CF43-9803-D8D9FDB3DAF0}"/>
+                <a16:creationId xmlns:a16="http://schemas.microsoft.com/office/drawing/2014/main" id="{45E4A2A1-8E61-38BB-5AB1-8D6727F1C68D}"/>
               </a:ext>
             </a:extLst>
           </p:cNvPr>
@@ -236,7 +236,7 @@
           <p:cNvPr id="4" name="日期占位符 3">
             <a:extLst>
               <a:ext uri="{FF2B5EF4-FFF2-40B4-BE49-F238E27FC236}">
-                <a16:creationId xmlns:a16="http://schemas.microsoft.com/office/drawing/2014/main" id="{8C0C7FEC-9DCB-7B5C-8167-B667776DC0E6}"/>
+                <a16:creationId xmlns:a16="http://schemas.microsoft.com/office/drawing/2014/main" id="{DA9E3E19-B7F0-9470-20EA-1CE1AD701AD2}"/>
               </a:ext>
             </a:extLst>
           </p:cNvPr>
@@ -252,7 +252,7 @@
           <a:bodyPr/>
           <a:lstStyle/>
           <a:p>
-            <a:fld id="{2475F2CF-8EBE-48BD-8633-55445760C14C}" type="datetimeFigureOut">
+            <a:fld id="{DC83F3A1-5072-464B-B86C-7A31A692049D}" type="datetimeFigureOut">
               <a:rPr lang="zh-CN" altLang="en-US" smtClean="0"/>
               <a:t>2024/3/10</a:t>
             </a:fld>
@@ -265,7 +265,7 @@
           <p:cNvPr id="5" name="页脚占位符 4">
             <a:extLst>
               <a:ext uri="{FF2B5EF4-FFF2-40B4-BE49-F238E27FC236}">
-                <a16:creationId xmlns:a16="http://schemas.microsoft.com/office/drawing/2014/main" id="{233618C5-8D13-55D1-5CB8-C066F930ABE1}"/>
+                <a16:creationId xmlns:a16="http://schemas.microsoft.com/office/drawing/2014/main" id="{89ED2171-3B8B-F855-14D1-92809B7A430D}"/>
               </a:ext>
             </a:extLst>
           </p:cNvPr>
@@ -290,7 +290,7 @@
           <p:cNvPr id="6" name="灯片编号占位符 5">
             <a:extLst>
               <a:ext uri="{FF2B5EF4-FFF2-40B4-BE49-F238E27FC236}">
-                <a16:creationId xmlns:a16="http://schemas.microsoft.com/office/drawing/2014/main" id="{7A1D6DB6-D637-84A1-862A-43E006D3C71D}"/>
+                <a16:creationId xmlns:a16="http://schemas.microsoft.com/office/drawing/2014/main" id="{A7371B3B-0609-EFB7-6FD1-345AC143AD0C}"/>
               </a:ext>
             </a:extLst>
           </p:cNvPr>
@@ -306,7 +306,7 @@
           <a:bodyPr/>
           <a:lstStyle/>
           <a:p>
-            <a:fld id="{224E82CF-F63E-4FDD-B2FB-13D4E43CD53C}" type="slidenum">
+            <a:fld id="{579AA1B7-A6A9-4370-AECB-02195DEFB520}" type="slidenum">
               <a:rPr lang="zh-CN" altLang="en-US" smtClean="0"/>
               <a:t>‹#›</a:t>
             </a:fld>
@@ -317,7 +317,7 @@
     </p:spTree>
     <p:extLst>
       <p:ext uri="{BB962C8B-B14F-4D97-AF65-F5344CB8AC3E}">
-        <p14:creationId xmlns:p14="http://schemas.microsoft.com/office/powerpoint/2010/main" val="1239466221"/>
+        <p14:creationId xmlns:p14="http://schemas.microsoft.com/office/powerpoint/2010/main" val="3294831129"/>
       </p:ext>
     </p:extLst>
   </p:cSld>
@@ -349,7 +349,7 @@
           <p:cNvPr id="2" name="标题 1">
             <a:extLst>
               <a:ext uri="{FF2B5EF4-FFF2-40B4-BE49-F238E27FC236}">
-                <a16:creationId xmlns:a16="http://schemas.microsoft.com/office/drawing/2014/main" id="{4D2346AD-247F-016D-6052-498AB757088F}"/>
+                <a16:creationId xmlns:a16="http://schemas.microsoft.com/office/drawing/2014/main" id="{C47683E5-ADD9-B8FE-F205-48E9FB17C810}"/>
               </a:ext>
             </a:extLst>
           </p:cNvPr>
@@ -377,7 +377,7 @@
           <p:cNvPr id="3" name="竖排文字占位符 2">
             <a:extLst>
               <a:ext uri="{FF2B5EF4-FFF2-40B4-BE49-F238E27FC236}">
-                <a16:creationId xmlns:a16="http://schemas.microsoft.com/office/drawing/2014/main" id="{40FFFED0-1AEF-406C-D162-4D0953027B5A}"/>
+                <a16:creationId xmlns:a16="http://schemas.microsoft.com/office/drawing/2014/main" id="{729E51A4-4184-6FE8-BB0F-CAF87DC18454}"/>
               </a:ext>
             </a:extLst>
           </p:cNvPr>
@@ -434,7 +434,7 @@
           <p:cNvPr id="4" name="日期占位符 3">
             <a:extLst>
               <a:ext uri="{FF2B5EF4-FFF2-40B4-BE49-F238E27FC236}">
-                <a16:creationId xmlns:a16="http://schemas.microsoft.com/office/drawing/2014/main" id="{0A618A01-4509-4D75-30DE-C94598406B57}"/>
+                <a16:creationId xmlns:a16="http://schemas.microsoft.com/office/drawing/2014/main" id="{7628B3AB-9A02-862A-4B5F-74E9634D7C85}"/>
               </a:ext>
             </a:extLst>
           </p:cNvPr>
@@ -450,7 +450,7 @@
           <a:bodyPr/>
           <a:lstStyle/>
           <a:p>
-            <a:fld id="{2475F2CF-8EBE-48BD-8633-55445760C14C}" type="datetimeFigureOut">
+            <a:fld id="{DC83F3A1-5072-464B-B86C-7A31A692049D}" type="datetimeFigureOut">
               <a:rPr lang="zh-CN" altLang="en-US" smtClean="0"/>
               <a:t>2024/3/10</a:t>
             </a:fld>
@@ -463,7 +463,7 @@
           <p:cNvPr id="5" name="页脚占位符 4">
             <a:extLst>
               <a:ext uri="{FF2B5EF4-FFF2-40B4-BE49-F238E27FC236}">
-                <a16:creationId xmlns:a16="http://schemas.microsoft.com/office/drawing/2014/main" id="{61205732-9160-1863-88A8-ED7F860F7348}"/>
+                <a16:creationId xmlns:a16="http://schemas.microsoft.com/office/drawing/2014/main" id="{02D21F59-6432-86DD-CB68-6FE606CABFB4}"/>
               </a:ext>
             </a:extLst>
           </p:cNvPr>
@@ -488,7 +488,7 @@
           <p:cNvPr id="6" name="灯片编号占位符 5">
             <a:extLst>
               <a:ext uri="{FF2B5EF4-FFF2-40B4-BE49-F238E27FC236}">
-                <a16:creationId xmlns:a16="http://schemas.microsoft.com/office/drawing/2014/main" id="{E2B8CE55-D39C-86F5-99C8-095336F6B142}"/>
+                <a16:creationId xmlns:a16="http://schemas.microsoft.com/office/drawing/2014/main" id="{262A0CFD-994B-6C04-9E82-1FD3CB2D9834}"/>
               </a:ext>
             </a:extLst>
           </p:cNvPr>
@@ -504,7 +504,7 @@
           <a:bodyPr/>
           <a:lstStyle/>
           <a:p>
-            <a:fld id="{224E82CF-F63E-4FDD-B2FB-13D4E43CD53C}" type="slidenum">
+            <a:fld id="{579AA1B7-A6A9-4370-AECB-02195DEFB520}" type="slidenum">
               <a:rPr lang="zh-CN" altLang="en-US" smtClean="0"/>
               <a:t>‹#›</a:t>
             </a:fld>
@@ -515,7 +515,7 @@
     </p:spTree>
     <p:extLst>
       <p:ext uri="{BB962C8B-B14F-4D97-AF65-F5344CB8AC3E}">
-        <p14:creationId xmlns:p14="http://schemas.microsoft.com/office/powerpoint/2010/main" val="4066412950"/>
+        <p14:creationId xmlns:p14="http://schemas.microsoft.com/office/powerpoint/2010/main" val="2386442375"/>
       </p:ext>
     </p:extLst>
   </p:cSld>
@@ -547,7 +547,7 @@
           <p:cNvPr id="2" name="竖排标题 1">
             <a:extLst>
               <a:ext uri="{FF2B5EF4-FFF2-40B4-BE49-F238E27FC236}">
-                <a16:creationId xmlns:a16="http://schemas.microsoft.com/office/drawing/2014/main" id="{3C542C2F-4115-E437-01C0-23453208A009}"/>
+                <a16:creationId xmlns:a16="http://schemas.microsoft.com/office/drawing/2014/main" id="{06CB287C-73B8-3F37-C4C0-82933EDB206D}"/>
               </a:ext>
             </a:extLst>
           </p:cNvPr>
@@ -580,7 +580,7 @@
           <p:cNvPr id="3" name="竖排文字占位符 2">
             <a:extLst>
               <a:ext uri="{FF2B5EF4-FFF2-40B4-BE49-F238E27FC236}">
-                <a16:creationId xmlns:a16="http://schemas.microsoft.com/office/drawing/2014/main" id="{E968FF4B-CCF8-E5EA-27B3-E4F6B630BC3E}"/>
+                <a16:creationId xmlns:a16="http://schemas.microsoft.com/office/drawing/2014/main" id="{A7D84E3D-4CE0-0E09-2EB7-C3827E9136CD}"/>
               </a:ext>
             </a:extLst>
           </p:cNvPr>
@@ -642,7 +642,7 @@
           <p:cNvPr id="4" name="日期占位符 3">
             <a:extLst>
               <a:ext uri="{FF2B5EF4-FFF2-40B4-BE49-F238E27FC236}">
-                <a16:creationId xmlns:a16="http://schemas.microsoft.com/office/drawing/2014/main" id="{9AAB4D94-71B1-36C5-1B50-80EE6672EB45}"/>
+                <a16:creationId xmlns:a16="http://schemas.microsoft.com/office/drawing/2014/main" id="{89EE52B9-EBA5-5EC6-319E-33F045FF5768}"/>
               </a:ext>
             </a:extLst>
           </p:cNvPr>
@@ -658,7 +658,7 @@
           <a:bodyPr/>
           <a:lstStyle/>
           <a:p>
-            <a:fld id="{2475F2CF-8EBE-48BD-8633-55445760C14C}" type="datetimeFigureOut">
+            <a:fld id="{DC83F3A1-5072-464B-B86C-7A31A692049D}" type="datetimeFigureOut">
               <a:rPr lang="zh-CN" altLang="en-US" smtClean="0"/>
               <a:t>2024/3/10</a:t>
             </a:fld>
@@ -671,7 +671,7 @@
           <p:cNvPr id="5" name="页脚占位符 4">
             <a:extLst>
               <a:ext uri="{FF2B5EF4-FFF2-40B4-BE49-F238E27FC236}">
-                <a16:creationId xmlns:a16="http://schemas.microsoft.com/office/drawing/2014/main" id="{74A7CA8C-1BA1-B9B9-D51C-2809D0BD42C9}"/>
+                <a16:creationId xmlns:a16="http://schemas.microsoft.com/office/drawing/2014/main" id="{20018609-8708-B223-0EAB-1044BEC2F58C}"/>
               </a:ext>
             </a:extLst>
           </p:cNvPr>
@@ -696,7 +696,7 @@
           <p:cNvPr id="6" name="灯片编号占位符 5">
             <a:extLst>
               <a:ext uri="{FF2B5EF4-FFF2-40B4-BE49-F238E27FC236}">
-                <a16:creationId xmlns:a16="http://schemas.microsoft.com/office/drawing/2014/main" id="{45EDD90D-469B-16FF-778B-E48DFC030A19}"/>
+                <a16:creationId xmlns:a16="http://schemas.microsoft.com/office/drawing/2014/main" id="{E090F6B9-4EE5-8628-48A1-4F1AC29DE5DC}"/>
               </a:ext>
             </a:extLst>
           </p:cNvPr>
@@ -712,7 +712,7 @@
           <a:bodyPr/>
           <a:lstStyle/>
           <a:p>
-            <a:fld id="{224E82CF-F63E-4FDD-B2FB-13D4E43CD53C}" type="slidenum">
+            <a:fld id="{579AA1B7-A6A9-4370-AECB-02195DEFB520}" type="slidenum">
               <a:rPr lang="zh-CN" altLang="en-US" smtClean="0"/>
               <a:t>‹#›</a:t>
             </a:fld>
@@ -723,7 +723,7 @@
     </p:spTree>
     <p:extLst>
       <p:ext uri="{BB962C8B-B14F-4D97-AF65-F5344CB8AC3E}">
-        <p14:creationId xmlns:p14="http://schemas.microsoft.com/office/powerpoint/2010/main" val="2820395319"/>
+        <p14:creationId xmlns:p14="http://schemas.microsoft.com/office/powerpoint/2010/main" val="2303864701"/>
       </p:ext>
     </p:extLst>
   </p:cSld>
@@ -755,7 +755,7 @@
           <p:cNvPr id="2" name="标题 1">
             <a:extLst>
               <a:ext uri="{FF2B5EF4-FFF2-40B4-BE49-F238E27FC236}">
-                <a16:creationId xmlns:a16="http://schemas.microsoft.com/office/drawing/2014/main" id="{5A834E3B-43BB-1381-F274-A1D37F18CB4D}"/>
+                <a16:creationId xmlns:a16="http://schemas.microsoft.com/office/drawing/2014/main" id="{033440C1-7F45-CD98-05D1-2A5601AA16A8}"/>
               </a:ext>
             </a:extLst>
           </p:cNvPr>
@@ -783,7 +783,7 @@
           <p:cNvPr id="3" name="内容占位符 2">
             <a:extLst>
               <a:ext uri="{FF2B5EF4-FFF2-40B4-BE49-F238E27FC236}">
-                <a16:creationId xmlns:a16="http://schemas.microsoft.com/office/drawing/2014/main" id="{A2D264B4-BB85-5976-8144-772641374469}"/>
+                <a16:creationId xmlns:a16="http://schemas.microsoft.com/office/drawing/2014/main" id="{5B2D0990-D7C2-E1DE-41F8-7CCEC435BEBC}"/>
               </a:ext>
             </a:extLst>
           </p:cNvPr>
@@ -840,7 +840,7 @@
           <p:cNvPr id="4" name="日期占位符 3">
             <a:extLst>
               <a:ext uri="{FF2B5EF4-FFF2-40B4-BE49-F238E27FC236}">
-                <a16:creationId xmlns:a16="http://schemas.microsoft.com/office/drawing/2014/main" id="{1562D6A6-28F3-EFA8-7BE2-529CBB0A5057}"/>
+                <a16:creationId xmlns:a16="http://schemas.microsoft.com/office/drawing/2014/main" id="{48C28468-EF86-FFBE-6A7F-550EDC7A38E2}"/>
               </a:ext>
             </a:extLst>
           </p:cNvPr>
@@ -856,7 +856,7 @@
           <a:bodyPr/>
           <a:lstStyle/>
           <a:p>
-            <a:fld id="{2475F2CF-8EBE-48BD-8633-55445760C14C}" type="datetimeFigureOut">
+            <a:fld id="{DC83F3A1-5072-464B-B86C-7A31A692049D}" type="datetimeFigureOut">
               <a:rPr lang="zh-CN" altLang="en-US" smtClean="0"/>
               <a:t>2024/3/10</a:t>
             </a:fld>
@@ -869,7 +869,7 @@
           <p:cNvPr id="5" name="页脚占位符 4">
             <a:extLst>
               <a:ext uri="{FF2B5EF4-FFF2-40B4-BE49-F238E27FC236}">
-                <a16:creationId xmlns:a16="http://schemas.microsoft.com/office/drawing/2014/main" id="{E01657B7-06FA-592C-1560-3F6E69489626}"/>
+                <a16:creationId xmlns:a16="http://schemas.microsoft.com/office/drawing/2014/main" id="{65E57A1C-5AD3-3D2E-22CC-EB5D89704842}"/>
               </a:ext>
             </a:extLst>
           </p:cNvPr>
@@ -894,7 +894,7 @@
           <p:cNvPr id="6" name="灯片编号占位符 5">
             <a:extLst>
               <a:ext uri="{FF2B5EF4-FFF2-40B4-BE49-F238E27FC236}">
-                <a16:creationId xmlns:a16="http://schemas.microsoft.com/office/drawing/2014/main" id="{B93AB253-8690-78C3-8610-3FCBCFD7C7FC}"/>
+                <a16:creationId xmlns:a16="http://schemas.microsoft.com/office/drawing/2014/main" id="{8728BBE5-D313-746F-A385-B7CC33FFC419}"/>
               </a:ext>
             </a:extLst>
           </p:cNvPr>
@@ -910,7 +910,7 @@
           <a:bodyPr/>
           <a:lstStyle/>
           <a:p>
-            <a:fld id="{224E82CF-F63E-4FDD-B2FB-13D4E43CD53C}" type="slidenum">
+            <a:fld id="{579AA1B7-A6A9-4370-AECB-02195DEFB520}" type="slidenum">
               <a:rPr lang="zh-CN" altLang="en-US" smtClean="0"/>
               <a:t>‹#›</a:t>
             </a:fld>
@@ -921,7 +921,7 @@
     </p:spTree>
     <p:extLst>
       <p:ext uri="{BB962C8B-B14F-4D97-AF65-F5344CB8AC3E}">
-        <p14:creationId xmlns:p14="http://schemas.microsoft.com/office/powerpoint/2010/main" val="450069170"/>
+        <p14:creationId xmlns:p14="http://schemas.microsoft.com/office/powerpoint/2010/main" val="1618866263"/>
       </p:ext>
     </p:extLst>
   </p:cSld>
@@ -953,7 +953,7 @@
           <p:cNvPr id="2" name="标题 1">
             <a:extLst>
               <a:ext uri="{FF2B5EF4-FFF2-40B4-BE49-F238E27FC236}">
-                <a16:creationId xmlns:a16="http://schemas.microsoft.com/office/drawing/2014/main" id="{8A9C105E-4A05-41F7-254E-1332250C83AC}"/>
+                <a16:creationId xmlns:a16="http://schemas.microsoft.com/office/drawing/2014/main" id="{5DD4E15C-A6D4-8736-5E66-0A92488DBD5F}"/>
               </a:ext>
             </a:extLst>
           </p:cNvPr>
@@ -990,7 +990,7 @@
           <p:cNvPr id="3" name="文本占位符 2">
             <a:extLst>
               <a:ext uri="{FF2B5EF4-FFF2-40B4-BE49-F238E27FC236}">
-                <a16:creationId xmlns:a16="http://schemas.microsoft.com/office/drawing/2014/main" id="{B2045A37-798F-6BE9-10CF-EC004DB1CA6C}"/>
+                <a16:creationId xmlns:a16="http://schemas.microsoft.com/office/drawing/2014/main" id="{65FB4F7C-BC01-8FDB-58CB-7755CACEE7EC}"/>
               </a:ext>
             </a:extLst>
           </p:cNvPr>
@@ -1115,7 +1115,7 @@
           <p:cNvPr id="4" name="日期占位符 3">
             <a:extLst>
               <a:ext uri="{FF2B5EF4-FFF2-40B4-BE49-F238E27FC236}">
-                <a16:creationId xmlns:a16="http://schemas.microsoft.com/office/drawing/2014/main" id="{FF9B9F19-B9D2-33CA-006E-FFC23088269E}"/>
+                <a16:creationId xmlns:a16="http://schemas.microsoft.com/office/drawing/2014/main" id="{201CF2F1-8CD0-23E2-2BE8-5EA1F3308E93}"/>
               </a:ext>
             </a:extLst>
           </p:cNvPr>
@@ -1131,7 +1131,7 @@
           <a:bodyPr/>
           <a:lstStyle/>
           <a:p>
-            <a:fld id="{2475F2CF-8EBE-48BD-8633-55445760C14C}" type="datetimeFigureOut">
+            <a:fld id="{DC83F3A1-5072-464B-B86C-7A31A692049D}" type="datetimeFigureOut">
               <a:rPr lang="zh-CN" altLang="en-US" smtClean="0"/>
               <a:t>2024/3/10</a:t>
             </a:fld>
@@ -1144,7 +1144,7 @@
           <p:cNvPr id="5" name="页脚占位符 4">
             <a:extLst>
               <a:ext uri="{FF2B5EF4-FFF2-40B4-BE49-F238E27FC236}">
-                <a16:creationId xmlns:a16="http://schemas.microsoft.com/office/drawing/2014/main" id="{5A9E6480-DF9A-3DA0-0E71-0FC1B26DCCC2}"/>
+                <a16:creationId xmlns:a16="http://schemas.microsoft.com/office/drawing/2014/main" id="{8DEF1899-6B35-05AA-897B-EFA4F3E4EE02}"/>
               </a:ext>
             </a:extLst>
           </p:cNvPr>
@@ -1169,7 +1169,7 @@
           <p:cNvPr id="6" name="灯片编号占位符 5">
             <a:extLst>
               <a:ext uri="{FF2B5EF4-FFF2-40B4-BE49-F238E27FC236}">
-                <a16:creationId xmlns:a16="http://schemas.microsoft.com/office/drawing/2014/main" id="{1E067A5E-596D-F94E-A2B8-B141655F89DF}"/>
+                <a16:creationId xmlns:a16="http://schemas.microsoft.com/office/drawing/2014/main" id="{8849E308-63F1-0E26-D8D6-094926D80966}"/>
               </a:ext>
             </a:extLst>
           </p:cNvPr>
@@ -1185,7 +1185,7 @@
           <a:bodyPr/>
           <a:lstStyle/>
           <a:p>
-            <a:fld id="{224E82CF-F63E-4FDD-B2FB-13D4E43CD53C}" type="slidenum">
+            <a:fld id="{579AA1B7-A6A9-4370-AECB-02195DEFB520}" type="slidenum">
               <a:rPr lang="zh-CN" altLang="en-US" smtClean="0"/>
               <a:t>‹#›</a:t>
             </a:fld>
@@ -1196,7 +1196,7 @@
     </p:spTree>
     <p:extLst>
       <p:ext uri="{BB962C8B-B14F-4D97-AF65-F5344CB8AC3E}">
-        <p14:creationId xmlns:p14="http://schemas.microsoft.com/office/powerpoint/2010/main" val="2471322216"/>
+        <p14:creationId xmlns:p14="http://schemas.microsoft.com/office/powerpoint/2010/main" val="2292574387"/>
       </p:ext>
     </p:extLst>
   </p:cSld>
@@ -1228,7 +1228,7 @@
           <p:cNvPr id="2" name="标题 1">
             <a:extLst>
               <a:ext uri="{FF2B5EF4-FFF2-40B4-BE49-F238E27FC236}">
-                <a16:creationId xmlns:a16="http://schemas.microsoft.com/office/drawing/2014/main" id="{0B14A262-1BCF-8800-8221-10897583BF64}"/>
+                <a16:creationId xmlns:a16="http://schemas.microsoft.com/office/drawing/2014/main" id="{3D5F6DB5-E336-216E-0CAE-E2A7A97F2A83}"/>
               </a:ext>
             </a:extLst>
           </p:cNvPr>
@@ -1256,7 +1256,7 @@
           <p:cNvPr id="3" name="内容占位符 2">
             <a:extLst>
               <a:ext uri="{FF2B5EF4-FFF2-40B4-BE49-F238E27FC236}">
-                <a16:creationId xmlns:a16="http://schemas.microsoft.com/office/drawing/2014/main" id="{CEEF450E-4DED-674D-2E77-FA821BD1BDD2}"/>
+                <a16:creationId xmlns:a16="http://schemas.microsoft.com/office/drawing/2014/main" id="{DCE8467A-B156-DC4C-C94B-EE31D237F2AC}"/>
               </a:ext>
             </a:extLst>
           </p:cNvPr>
@@ -1318,7 +1318,7 @@
           <p:cNvPr id="4" name="内容占位符 3">
             <a:extLst>
               <a:ext uri="{FF2B5EF4-FFF2-40B4-BE49-F238E27FC236}">
-                <a16:creationId xmlns:a16="http://schemas.microsoft.com/office/drawing/2014/main" id="{DF199779-4873-99EB-96CD-069FA92B6DC5}"/>
+                <a16:creationId xmlns:a16="http://schemas.microsoft.com/office/drawing/2014/main" id="{6A282D92-956B-45D2-7A48-8EB41A755821}"/>
               </a:ext>
             </a:extLst>
           </p:cNvPr>
@@ -1380,7 +1380,7 @@
           <p:cNvPr id="5" name="日期占位符 4">
             <a:extLst>
               <a:ext uri="{FF2B5EF4-FFF2-40B4-BE49-F238E27FC236}">
-                <a16:creationId xmlns:a16="http://schemas.microsoft.com/office/drawing/2014/main" id="{1EF11D08-B283-7CC0-48DB-36DF0EA0F032}"/>
+                <a16:creationId xmlns:a16="http://schemas.microsoft.com/office/drawing/2014/main" id="{475ABDBD-D956-7EC7-237E-BD3C56691EBF}"/>
               </a:ext>
             </a:extLst>
           </p:cNvPr>
@@ -1396,7 +1396,7 @@
           <a:bodyPr/>
           <a:lstStyle/>
           <a:p>
-            <a:fld id="{2475F2CF-8EBE-48BD-8633-55445760C14C}" type="datetimeFigureOut">
+            <a:fld id="{DC83F3A1-5072-464B-B86C-7A31A692049D}" type="datetimeFigureOut">
               <a:rPr lang="zh-CN" altLang="en-US" smtClean="0"/>
               <a:t>2024/3/10</a:t>
             </a:fld>
@@ -1409,7 +1409,7 @@
           <p:cNvPr id="6" name="页脚占位符 5">
             <a:extLst>
               <a:ext uri="{FF2B5EF4-FFF2-40B4-BE49-F238E27FC236}">
-                <a16:creationId xmlns:a16="http://schemas.microsoft.com/office/drawing/2014/main" id="{AABD5A4C-D5DD-82E7-BCD9-678F442F682B}"/>
+                <a16:creationId xmlns:a16="http://schemas.microsoft.com/office/drawing/2014/main" id="{1DDDC63D-DFC3-0D28-1001-EFFACE7A705A}"/>
               </a:ext>
             </a:extLst>
           </p:cNvPr>
@@ -1434,7 +1434,7 @@
           <p:cNvPr id="7" name="灯片编号占位符 6">
             <a:extLst>
               <a:ext uri="{FF2B5EF4-FFF2-40B4-BE49-F238E27FC236}">
-                <a16:creationId xmlns:a16="http://schemas.microsoft.com/office/drawing/2014/main" id="{712AB531-B034-72BD-BE70-9238631A803E}"/>
+                <a16:creationId xmlns:a16="http://schemas.microsoft.com/office/drawing/2014/main" id="{D7777B8F-913C-7602-B453-F2D16ECB3EA4}"/>
               </a:ext>
             </a:extLst>
           </p:cNvPr>
@@ -1450,7 +1450,7 @@
           <a:bodyPr/>
           <a:lstStyle/>
           <a:p>
-            <a:fld id="{224E82CF-F63E-4FDD-B2FB-13D4E43CD53C}" type="slidenum">
+            <a:fld id="{579AA1B7-A6A9-4370-AECB-02195DEFB520}" type="slidenum">
               <a:rPr lang="zh-CN" altLang="en-US" smtClean="0"/>
               <a:t>‹#›</a:t>
             </a:fld>
@@ -1461,7 +1461,7 @@
     </p:spTree>
     <p:extLst>
       <p:ext uri="{BB962C8B-B14F-4D97-AF65-F5344CB8AC3E}">
-        <p14:creationId xmlns:p14="http://schemas.microsoft.com/office/powerpoint/2010/main" val="3381711948"/>
+        <p14:creationId xmlns:p14="http://schemas.microsoft.com/office/powerpoint/2010/main" val="390579158"/>
       </p:ext>
     </p:extLst>
   </p:cSld>
@@ -1493,7 +1493,7 @@
           <p:cNvPr id="2" name="标题 1">
             <a:extLst>
               <a:ext uri="{FF2B5EF4-FFF2-40B4-BE49-F238E27FC236}">
-                <a16:creationId xmlns:a16="http://schemas.microsoft.com/office/drawing/2014/main" id="{BE9375AC-5EE7-F628-026D-D2FA1AA7C461}"/>
+                <a16:creationId xmlns:a16="http://schemas.microsoft.com/office/drawing/2014/main" id="{539B322E-B938-A87B-EA01-6C4DAE87E95C}"/>
               </a:ext>
             </a:extLst>
           </p:cNvPr>
@@ -1526,7 +1526,7 @@
           <p:cNvPr id="3" name="文本占位符 2">
             <a:extLst>
               <a:ext uri="{FF2B5EF4-FFF2-40B4-BE49-F238E27FC236}">
-                <a16:creationId xmlns:a16="http://schemas.microsoft.com/office/drawing/2014/main" id="{E2D3A3EB-9D56-2511-995B-989207AF51BA}"/>
+                <a16:creationId xmlns:a16="http://schemas.microsoft.com/office/drawing/2014/main" id="{F73C9665-650C-3437-18F9-68F009663BF6}"/>
               </a:ext>
             </a:extLst>
           </p:cNvPr>
@@ -1597,7 +1597,7 @@
           <p:cNvPr id="4" name="内容占位符 3">
             <a:extLst>
               <a:ext uri="{FF2B5EF4-FFF2-40B4-BE49-F238E27FC236}">
-                <a16:creationId xmlns:a16="http://schemas.microsoft.com/office/drawing/2014/main" id="{44B525EB-ED88-7328-1B62-D18B508FABDA}"/>
+                <a16:creationId xmlns:a16="http://schemas.microsoft.com/office/drawing/2014/main" id="{0D944BC8-AB5D-3AC6-1D41-E628221DE765}"/>
               </a:ext>
             </a:extLst>
           </p:cNvPr>
@@ -1659,7 +1659,7 @@
           <p:cNvPr id="5" name="文本占位符 4">
             <a:extLst>
               <a:ext uri="{FF2B5EF4-FFF2-40B4-BE49-F238E27FC236}">
-                <a16:creationId xmlns:a16="http://schemas.microsoft.com/office/drawing/2014/main" id="{6B21048B-4345-4165-E15D-AF1ABF20F86A}"/>
+                <a16:creationId xmlns:a16="http://schemas.microsoft.com/office/drawing/2014/main" id="{D4141EF8-5632-8781-A00A-FFFB85D71EE0}"/>
               </a:ext>
             </a:extLst>
           </p:cNvPr>
@@ -1730,7 +1730,7 @@
           <p:cNvPr id="6" name="内容占位符 5">
             <a:extLst>
               <a:ext uri="{FF2B5EF4-FFF2-40B4-BE49-F238E27FC236}">
-                <a16:creationId xmlns:a16="http://schemas.microsoft.com/office/drawing/2014/main" id="{22C668CA-2D60-A087-0AC0-A70AC90F2674}"/>
+                <a16:creationId xmlns:a16="http://schemas.microsoft.com/office/drawing/2014/main" id="{2971163E-7300-BE1E-F12B-AEF27770E5D2}"/>
               </a:ext>
             </a:extLst>
           </p:cNvPr>
@@ -1792,7 +1792,7 @@
           <p:cNvPr id="7" name="日期占位符 6">
             <a:extLst>
               <a:ext uri="{FF2B5EF4-FFF2-40B4-BE49-F238E27FC236}">
-                <a16:creationId xmlns:a16="http://schemas.microsoft.com/office/drawing/2014/main" id="{B52EB964-6863-0275-BBE3-4F8044D48002}"/>
+                <a16:creationId xmlns:a16="http://schemas.microsoft.com/office/drawing/2014/main" id="{6D0D1DF7-9FBA-9CDD-E34C-1E8BAC5A5209}"/>
               </a:ext>
             </a:extLst>
           </p:cNvPr>
@@ -1808,7 +1808,7 @@
           <a:bodyPr/>
           <a:lstStyle/>
           <a:p>
-            <a:fld id="{2475F2CF-8EBE-48BD-8633-55445760C14C}" type="datetimeFigureOut">
+            <a:fld id="{DC83F3A1-5072-464B-B86C-7A31A692049D}" type="datetimeFigureOut">
               <a:rPr lang="zh-CN" altLang="en-US" smtClean="0"/>
               <a:t>2024/3/10</a:t>
             </a:fld>
@@ -1821,7 +1821,7 @@
           <p:cNvPr id="8" name="页脚占位符 7">
             <a:extLst>
               <a:ext uri="{FF2B5EF4-FFF2-40B4-BE49-F238E27FC236}">
-                <a16:creationId xmlns:a16="http://schemas.microsoft.com/office/drawing/2014/main" id="{714D2A5B-2A8E-8EB3-F0F4-4B7927ABAC4B}"/>
+                <a16:creationId xmlns:a16="http://schemas.microsoft.com/office/drawing/2014/main" id="{7802C0C6-CA33-2EF2-A785-28EFC8AB4135}"/>
               </a:ext>
             </a:extLst>
           </p:cNvPr>
@@ -1846,7 +1846,7 @@
           <p:cNvPr id="9" name="灯片编号占位符 8">
             <a:extLst>
               <a:ext uri="{FF2B5EF4-FFF2-40B4-BE49-F238E27FC236}">
-                <a16:creationId xmlns:a16="http://schemas.microsoft.com/office/drawing/2014/main" id="{DF80CECB-CBA9-468A-7F12-69859CE317BD}"/>
+                <a16:creationId xmlns:a16="http://schemas.microsoft.com/office/drawing/2014/main" id="{16563025-DD3E-708D-E940-8D74A94F1F05}"/>
               </a:ext>
             </a:extLst>
           </p:cNvPr>
@@ -1862,7 +1862,7 @@
           <a:bodyPr/>
           <a:lstStyle/>
           <a:p>
-            <a:fld id="{224E82CF-F63E-4FDD-B2FB-13D4E43CD53C}" type="slidenum">
+            <a:fld id="{579AA1B7-A6A9-4370-AECB-02195DEFB520}" type="slidenum">
               <a:rPr lang="zh-CN" altLang="en-US" smtClean="0"/>
               <a:t>‹#›</a:t>
             </a:fld>
@@ -1873,7 +1873,7 @@
     </p:spTree>
     <p:extLst>
       <p:ext uri="{BB962C8B-B14F-4D97-AF65-F5344CB8AC3E}">
-        <p14:creationId xmlns:p14="http://schemas.microsoft.com/office/powerpoint/2010/main" val="1629310170"/>
+        <p14:creationId xmlns:p14="http://schemas.microsoft.com/office/powerpoint/2010/main" val="1009750844"/>
       </p:ext>
     </p:extLst>
   </p:cSld>
@@ -1905,7 +1905,7 @@
           <p:cNvPr id="2" name="标题 1">
             <a:extLst>
               <a:ext uri="{FF2B5EF4-FFF2-40B4-BE49-F238E27FC236}">
-                <a16:creationId xmlns:a16="http://schemas.microsoft.com/office/drawing/2014/main" id="{9F35FBDB-DAF7-3F8B-B582-1D7EF1FA0AD8}"/>
+                <a16:creationId xmlns:a16="http://schemas.microsoft.com/office/drawing/2014/main" id="{62E1D3EB-9B33-D584-0675-3F888902513F}"/>
               </a:ext>
             </a:extLst>
           </p:cNvPr>
@@ -1933,7 +1933,7 @@
           <p:cNvPr id="3" name="日期占位符 2">
             <a:extLst>
               <a:ext uri="{FF2B5EF4-FFF2-40B4-BE49-F238E27FC236}">
-                <a16:creationId xmlns:a16="http://schemas.microsoft.com/office/drawing/2014/main" id="{01520E38-4AFB-7B59-A25D-AE327AF400A8}"/>
+                <a16:creationId xmlns:a16="http://schemas.microsoft.com/office/drawing/2014/main" id="{5A4361ED-1823-A951-AE2E-36021B551937}"/>
               </a:ext>
             </a:extLst>
           </p:cNvPr>
@@ -1949,7 +1949,7 @@
           <a:bodyPr/>
           <a:lstStyle/>
           <a:p>
-            <a:fld id="{2475F2CF-8EBE-48BD-8633-55445760C14C}" type="datetimeFigureOut">
+            <a:fld id="{DC83F3A1-5072-464B-B86C-7A31A692049D}" type="datetimeFigureOut">
               <a:rPr lang="zh-CN" altLang="en-US" smtClean="0"/>
               <a:t>2024/3/10</a:t>
             </a:fld>
@@ -1962,7 +1962,7 @@
           <p:cNvPr id="4" name="页脚占位符 3">
             <a:extLst>
               <a:ext uri="{FF2B5EF4-FFF2-40B4-BE49-F238E27FC236}">
-                <a16:creationId xmlns:a16="http://schemas.microsoft.com/office/drawing/2014/main" id="{06CE1A17-4D28-4FD0-5F5B-5280F4A7E2B0}"/>
+                <a16:creationId xmlns:a16="http://schemas.microsoft.com/office/drawing/2014/main" id="{AAE75748-F630-4A9B-AF4E-718539A6485C}"/>
               </a:ext>
             </a:extLst>
           </p:cNvPr>
@@ -1987,7 +1987,7 @@
           <p:cNvPr id="5" name="灯片编号占位符 4">
             <a:extLst>
               <a:ext uri="{FF2B5EF4-FFF2-40B4-BE49-F238E27FC236}">
-                <a16:creationId xmlns:a16="http://schemas.microsoft.com/office/drawing/2014/main" id="{BB357FC4-1C47-C3C8-2289-E8A24B3A1503}"/>
+                <a16:creationId xmlns:a16="http://schemas.microsoft.com/office/drawing/2014/main" id="{83D5EE1B-12EE-EB14-16AD-2B200202FB55}"/>
               </a:ext>
             </a:extLst>
           </p:cNvPr>
@@ -2003,7 +2003,7 @@
           <a:bodyPr/>
           <a:lstStyle/>
           <a:p>
-            <a:fld id="{224E82CF-F63E-4FDD-B2FB-13D4E43CD53C}" type="slidenum">
+            <a:fld id="{579AA1B7-A6A9-4370-AECB-02195DEFB520}" type="slidenum">
               <a:rPr lang="zh-CN" altLang="en-US" smtClean="0"/>
               <a:t>‹#›</a:t>
             </a:fld>
@@ -2014,7 +2014,7 @@
     </p:spTree>
     <p:extLst>
       <p:ext uri="{BB962C8B-B14F-4D97-AF65-F5344CB8AC3E}">
-        <p14:creationId xmlns:p14="http://schemas.microsoft.com/office/powerpoint/2010/main" val="3278955541"/>
+        <p14:creationId xmlns:p14="http://schemas.microsoft.com/office/powerpoint/2010/main" val="2638964607"/>
       </p:ext>
     </p:extLst>
   </p:cSld>
@@ -2046,7 +2046,7 @@
           <p:cNvPr id="2" name="日期占位符 1">
             <a:extLst>
               <a:ext uri="{FF2B5EF4-FFF2-40B4-BE49-F238E27FC236}">
-                <a16:creationId xmlns:a16="http://schemas.microsoft.com/office/drawing/2014/main" id="{41B115D2-A989-E791-AE42-4527D6DF04A6}"/>
+                <a16:creationId xmlns:a16="http://schemas.microsoft.com/office/drawing/2014/main" id="{32BFEC35-80C2-FE5D-7730-BA44179B74FD}"/>
               </a:ext>
             </a:extLst>
           </p:cNvPr>
@@ -2062,7 +2062,7 @@
           <a:bodyPr/>
           <a:lstStyle/>
           <a:p>
-            <a:fld id="{2475F2CF-8EBE-48BD-8633-55445760C14C}" type="datetimeFigureOut">
+            <a:fld id="{DC83F3A1-5072-464B-B86C-7A31A692049D}" type="datetimeFigureOut">
               <a:rPr lang="zh-CN" altLang="en-US" smtClean="0"/>
               <a:t>2024/3/10</a:t>
             </a:fld>
@@ -2075,7 +2075,7 @@
           <p:cNvPr id="3" name="页脚占位符 2">
             <a:extLst>
               <a:ext uri="{FF2B5EF4-FFF2-40B4-BE49-F238E27FC236}">
-                <a16:creationId xmlns:a16="http://schemas.microsoft.com/office/drawing/2014/main" id="{15C2D634-FA2A-9C58-F0E0-A31627F318EB}"/>
+                <a16:creationId xmlns:a16="http://schemas.microsoft.com/office/drawing/2014/main" id="{089B5938-39C0-B3A0-94F5-E30F693BC534}"/>
               </a:ext>
             </a:extLst>
           </p:cNvPr>
@@ -2100,7 +2100,7 @@
           <p:cNvPr id="4" name="灯片编号占位符 3">
             <a:extLst>
               <a:ext uri="{FF2B5EF4-FFF2-40B4-BE49-F238E27FC236}">
-                <a16:creationId xmlns:a16="http://schemas.microsoft.com/office/drawing/2014/main" id="{D9634622-D604-6E81-E654-5D5C973A3805}"/>
+                <a16:creationId xmlns:a16="http://schemas.microsoft.com/office/drawing/2014/main" id="{999F824B-EC7B-BF58-2671-37219F41A4A1}"/>
               </a:ext>
             </a:extLst>
           </p:cNvPr>
@@ -2116,7 +2116,7 @@
           <a:bodyPr/>
           <a:lstStyle/>
           <a:p>
-            <a:fld id="{224E82CF-F63E-4FDD-B2FB-13D4E43CD53C}" type="slidenum">
+            <a:fld id="{579AA1B7-A6A9-4370-AECB-02195DEFB520}" type="slidenum">
               <a:rPr lang="zh-CN" altLang="en-US" smtClean="0"/>
               <a:t>‹#›</a:t>
             </a:fld>
@@ -2127,7 +2127,7 @@
     </p:spTree>
     <p:extLst>
       <p:ext uri="{BB962C8B-B14F-4D97-AF65-F5344CB8AC3E}">
-        <p14:creationId xmlns:p14="http://schemas.microsoft.com/office/powerpoint/2010/main" val="3669452761"/>
+        <p14:creationId xmlns:p14="http://schemas.microsoft.com/office/powerpoint/2010/main" val="3561467351"/>
       </p:ext>
     </p:extLst>
   </p:cSld>
@@ -2159,7 +2159,7 @@
           <p:cNvPr id="2" name="标题 1">
             <a:extLst>
               <a:ext uri="{FF2B5EF4-FFF2-40B4-BE49-F238E27FC236}">
-                <a16:creationId xmlns:a16="http://schemas.microsoft.com/office/drawing/2014/main" id="{DBACA816-4E1D-6FD7-46D9-35E5AB6EDEE3}"/>
+                <a16:creationId xmlns:a16="http://schemas.microsoft.com/office/drawing/2014/main" id="{E365E217-D240-09BB-3539-870ECA6D64F7}"/>
               </a:ext>
             </a:extLst>
           </p:cNvPr>
@@ -2196,7 +2196,7 @@
           <p:cNvPr id="3" name="内容占位符 2">
             <a:extLst>
               <a:ext uri="{FF2B5EF4-FFF2-40B4-BE49-F238E27FC236}">
-                <a16:creationId xmlns:a16="http://schemas.microsoft.com/office/drawing/2014/main" id="{758B1C47-533F-0793-DC86-B76B91BF5636}"/>
+                <a16:creationId xmlns:a16="http://schemas.microsoft.com/office/drawing/2014/main" id="{1155C3B5-C3FA-AB8C-AA92-33BEDF5BC74B}"/>
               </a:ext>
             </a:extLst>
           </p:cNvPr>
@@ -2286,7 +2286,7 @@
           <p:cNvPr id="4" name="文本占位符 3">
             <a:extLst>
               <a:ext uri="{FF2B5EF4-FFF2-40B4-BE49-F238E27FC236}">
-                <a16:creationId xmlns:a16="http://schemas.microsoft.com/office/drawing/2014/main" id="{4A654844-98CB-EFE6-8D19-A7B768EAAD28}"/>
+                <a16:creationId xmlns:a16="http://schemas.microsoft.com/office/drawing/2014/main" id="{0C256A49-078E-AFB0-EE0C-B0DEDD2DCB50}"/>
               </a:ext>
             </a:extLst>
           </p:cNvPr>
@@ -2357,7 +2357,7 @@
           <p:cNvPr id="5" name="日期占位符 4">
             <a:extLst>
               <a:ext uri="{FF2B5EF4-FFF2-40B4-BE49-F238E27FC236}">
-                <a16:creationId xmlns:a16="http://schemas.microsoft.com/office/drawing/2014/main" id="{4B2BEAA9-AACA-2DA0-C65B-81CBFF4CB2E2}"/>
+                <a16:creationId xmlns:a16="http://schemas.microsoft.com/office/drawing/2014/main" id="{03AEF5E4-4CD4-7A53-F18C-C3E61A2679E8}"/>
               </a:ext>
             </a:extLst>
           </p:cNvPr>
@@ -2373,7 +2373,7 @@
           <a:bodyPr/>
           <a:lstStyle/>
           <a:p>
-            <a:fld id="{2475F2CF-8EBE-48BD-8633-55445760C14C}" type="datetimeFigureOut">
+            <a:fld id="{DC83F3A1-5072-464B-B86C-7A31A692049D}" type="datetimeFigureOut">
               <a:rPr lang="zh-CN" altLang="en-US" smtClean="0"/>
               <a:t>2024/3/10</a:t>
             </a:fld>
@@ -2386,7 +2386,7 @@
           <p:cNvPr id="6" name="页脚占位符 5">
             <a:extLst>
               <a:ext uri="{FF2B5EF4-FFF2-40B4-BE49-F238E27FC236}">
-                <a16:creationId xmlns:a16="http://schemas.microsoft.com/office/drawing/2014/main" id="{E4057425-BEE8-D85C-03C8-E7DB8C0924C6}"/>
+                <a16:creationId xmlns:a16="http://schemas.microsoft.com/office/drawing/2014/main" id="{32C63868-6D39-8B22-EBF8-710EE7B69098}"/>
               </a:ext>
             </a:extLst>
           </p:cNvPr>
@@ -2411,7 +2411,7 @@
           <p:cNvPr id="7" name="灯片编号占位符 6">
             <a:extLst>
               <a:ext uri="{FF2B5EF4-FFF2-40B4-BE49-F238E27FC236}">
-                <a16:creationId xmlns:a16="http://schemas.microsoft.com/office/drawing/2014/main" id="{1EC2244F-C265-4447-2BE8-BACE37F42044}"/>
+                <a16:creationId xmlns:a16="http://schemas.microsoft.com/office/drawing/2014/main" id="{F58502EC-56C6-D771-FCC8-72FE7693A21D}"/>
               </a:ext>
             </a:extLst>
           </p:cNvPr>
@@ -2427,7 +2427,7 @@
           <a:bodyPr/>
           <a:lstStyle/>
           <a:p>
-            <a:fld id="{224E82CF-F63E-4FDD-B2FB-13D4E43CD53C}" type="slidenum">
+            <a:fld id="{579AA1B7-A6A9-4370-AECB-02195DEFB520}" type="slidenum">
               <a:rPr lang="zh-CN" altLang="en-US" smtClean="0"/>
               <a:t>‹#›</a:t>
             </a:fld>
@@ -2438,7 +2438,7 @@
     </p:spTree>
     <p:extLst>
       <p:ext uri="{BB962C8B-B14F-4D97-AF65-F5344CB8AC3E}">
-        <p14:creationId xmlns:p14="http://schemas.microsoft.com/office/powerpoint/2010/main" val="3116742254"/>
+        <p14:creationId xmlns:p14="http://schemas.microsoft.com/office/powerpoint/2010/main" val="629911125"/>
       </p:ext>
     </p:extLst>
   </p:cSld>
@@ -2470,7 +2470,7 @@
           <p:cNvPr id="2" name="标题 1">
             <a:extLst>
               <a:ext uri="{FF2B5EF4-FFF2-40B4-BE49-F238E27FC236}">
-                <a16:creationId xmlns:a16="http://schemas.microsoft.com/office/drawing/2014/main" id="{E56D28E1-2A16-FF65-C317-55394E19535C}"/>
+                <a16:creationId xmlns:a16="http://schemas.microsoft.com/office/drawing/2014/main" id="{D09F2328-1AAE-050D-1449-FD9E68950F9D}"/>
               </a:ext>
             </a:extLst>
           </p:cNvPr>
@@ -2507,7 +2507,7 @@
           <p:cNvPr id="3" name="图片占位符 2">
             <a:extLst>
               <a:ext uri="{FF2B5EF4-FFF2-40B4-BE49-F238E27FC236}">
-                <a16:creationId xmlns:a16="http://schemas.microsoft.com/office/drawing/2014/main" id="{A2DD9B9F-C3A2-B421-0AE3-E92DFE3A4FB1}"/>
+                <a16:creationId xmlns:a16="http://schemas.microsoft.com/office/drawing/2014/main" id="{F6CA48BF-A4A4-F7D5-6473-6E86B6B8C68C}"/>
               </a:ext>
             </a:extLst>
           </p:cNvPr>
@@ -2574,7 +2574,7 @@
           <p:cNvPr id="4" name="文本占位符 3">
             <a:extLst>
               <a:ext uri="{FF2B5EF4-FFF2-40B4-BE49-F238E27FC236}">
-                <a16:creationId xmlns:a16="http://schemas.microsoft.com/office/drawing/2014/main" id="{8B7981CB-3603-E19B-E0AE-1C9AC338E082}"/>
+                <a16:creationId xmlns:a16="http://schemas.microsoft.com/office/drawing/2014/main" id="{24614B2F-4452-B183-1BDE-B62DE288C2AC}"/>
               </a:ext>
             </a:extLst>
           </p:cNvPr>
@@ -2645,7 +2645,7 @@
           <p:cNvPr id="5" name="日期占位符 4">
             <a:extLst>
               <a:ext uri="{FF2B5EF4-FFF2-40B4-BE49-F238E27FC236}">
-                <a16:creationId xmlns:a16="http://schemas.microsoft.com/office/drawing/2014/main" id="{A43B3EEB-CE90-3DE4-0C61-729DC69C0CB9}"/>
+                <a16:creationId xmlns:a16="http://schemas.microsoft.com/office/drawing/2014/main" id="{A74442F9-C5FF-B2D7-2394-27A560D61ACC}"/>
               </a:ext>
             </a:extLst>
           </p:cNvPr>
@@ -2661,7 +2661,7 @@
           <a:bodyPr/>
           <a:lstStyle/>
           <a:p>
-            <a:fld id="{2475F2CF-8EBE-48BD-8633-55445760C14C}" type="datetimeFigureOut">
+            <a:fld id="{DC83F3A1-5072-464B-B86C-7A31A692049D}" type="datetimeFigureOut">
               <a:rPr lang="zh-CN" altLang="en-US" smtClean="0"/>
               <a:t>2024/3/10</a:t>
             </a:fld>
@@ -2674,7 +2674,7 @@
           <p:cNvPr id="6" name="页脚占位符 5">
             <a:extLst>
               <a:ext uri="{FF2B5EF4-FFF2-40B4-BE49-F238E27FC236}">
-                <a16:creationId xmlns:a16="http://schemas.microsoft.com/office/drawing/2014/main" id="{3436E2B6-79DB-3618-F697-8502FB98ADE3}"/>
+                <a16:creationId xmlns:a16="http://schemas.microsoft.com/office/drawing/2014/main" id="{6F72FB23-2E7B-07CC-C703-A6654D7EA943}"/>
               </a:ext>
             </a:extLst>
           </p:cNvPr>
@@ -2699,7 +2699,7 @@
           <p:cNvPr id="7" name="灯片编号占位符 6">
             <a:extLst>
               <a:ext uri="{FF2B5EF4-FFF2-40B4-BE49-F238E27FC236}">
-                <a16:creationId xmlns:a16="http://schemas.microsoft.com/office/drawing/2014/main" id="{20D7CA80-E4CE-93F5-A806-CD346B9BB3C6}"/>
+                <a16:creationId xmlns:a16="http://schemas.microsoft.com/office/drawing/2014/main" id="{731C1413-422C-1883-9166-3CFF07C156AB}"/>
               </a:ext>
             </a:extLst>
           </p:cNvPr>
@@ -2715,7 +2715,7 @@
           <a:bodyPr/>
           <a:lstStyle/>
           <a:p>
-            <a:fld id="{224E82CF-F63E-4FDD-B2FB-13D4E43CD53C}" type="slidenum">
+            <a:fld id="{579AA1B7-A6A9-4370-AECB-02195DEFB520}" type="slidenum">
               <a:rPr lang="zh-CN" altLang="en-US" smtClean="0"/>
               <a:t>‹#›</a:t>
             </a:fld>
@@ -2726,7 +2726,7 @@
     </p:spTree>
     <p:extLst>
       <p:ext uri="{BB962C8B-B14F-4D97-AF65-F5344CB8AC3E}">
-        <p14:creationId xmlns:p14="http://schemas.microsoft.com/office/powerpoint/2010/main" val="179654441"/>
+        <p14:creationId xmlns:p14="http://schemas.microsoft.com/office/powerpoint/2010/main" val="48110045"/>
       </p:ext>
     </p:extLst>
   </p:cSld>
@@ -2763,7 +2763,7 @@
           <p:cNvPr id="2" name="标题占位符 1">
             <a:extLst>
               <a:ext uri="{FF2B5EF4-FFF2-40B4-BE49-F238E27FC236}">
-                <a16:creationId xmlns:a16="http://schemas.microsoft.com/office/drawing/2014/main" id="{283D09C8-21D5-CEAF-A89C-38CE6EE220F6}"/>
+                <a16:creationId xmlns:a16="http://schemas.microsoft.com/office/drawing/2014/main" id="{EF31E1F0-8FDE-8A39-4DBC-2833694A1B30}"/>
               </a:ext>
             </a:extLst>
           </p:cNvPr>
@@ -2801,7 +2801,7 @@
           <p:cNvPr id="3" name="文本占位符 2">
             <a:extLst>
               <a:ext uri="{FF2B5EF4-FFF2-40B4-BE49-F238E27FC236}">
-                <a16:creationId xmlns:a16="http://schemas.microsoft.com/office/drawing/2014/main" id="{F7631344-12C7-772C-A786-768AA5C1B4DB}"/>
+                <a16:creationId xmlns:a16="http://schemas.microsoft.com/office/drawing/2014/main" id="{506B2A66-7C17-22B9-9B3A-9D2564D1E8AA}"/>
               </a:ext>
             </a:extLst>
           </p:cNvPr>
@@ -2868,7 +2868,7 @@
           <p:cNvPr id="4" name="日期占位符 3">
             <a:extLst>
               <a:ext uri="{FF2B5EF4-FFF2-40B4-BE49-F238E27FC236}">
-                <a16:creationId xmlns:a16="http://schemas.microsoft.com/office/drawing/2014/main" id="{DCCB4D66-A2C4-90D5-46B5-E41DDABDD00C}"/>
+                <a16:creationId xmlns:a16="http://schemas.microsoft.com/office/drawing/2014/main" id="{532D2A3E-A76B-9589-D78D-EE90E706EE64}"/>
               </a:ext>
             </a:extLst>
           </p:cNvPr>
@@ -2902,7 +2902,7 @@
             </a:lvl1pPr>
           </a:lstStyle>
           <a:p>
-            <a:fld id="{2475F2CF-8EBE-48BD-8633-55445760C14C}" type="datetimeFigureOut">
+            <a:fld id="{DC83F3A1-5072-464B-B86C-7A31A692049D}" type="datetimeFigureOut">
               <a:rPr lang="zh-CN" altLang="en-US" smtClean="0"/>
               <a:t>2024/3/10</a:t>
             </a:fld>
@@ -2915,7 +2915,7 @@
           <p:cNvPr id="5" name="页脚占位符 4">
             <a:extLst>
               <a:ext uri="{FF2B5EF4-FFF2-40B4-BE49-F238E27FC236}">
-                <a16:creationId xmlns:a16="http://schemas.microsoft.com/office/drawing/2014/main" id="{D0E84C7C-3881-6554-CF49-64F29070F2C9}"/>
+                <a16:creationId xmlns:a16="http://schemas.microsoft.com/office/drawing/2014/main" id="{57BD90D3-76BB-46D9-72BD-75D3F24B79CA}"/>
               </a:ext>
             </a:extLst>
           </p:cNvPr>
@@ -2958,7 +2958,7 @@
           <p:cNvPr id="6" name="灯片编号占位符 5">
             <a:extLst>
               <a:ext uri="{FF2B5EF4-FFF2-40B4-BE49-F238E27FC236}">
-                <a16:creationId xmlns:a16="http://schemas.microsoft.com/office/drawing/2014/main" id="{2B1259A8-F91D-366F-553A-085C244B6A1C}"/>
+                <a16:creationId xmlns:a16="http://schemas.microsoft.com/office/drawing/2014/main" id="{738473C4-4C6A-9342-7A66-3E67632985C3}"/>
               </a:ext>
             </a:extLst>
           </p:cNvPr>
@@ -2992,7 +2992,7 @@
             </a:lvl1pPr>
           </a:lstStyle>
           <a:p>
-            <a:fld id="{224E82CF-F63E-4FDD-B2FB-13D4E43CD53C}" type="slidenum">
+            <a:fld id="{579AA1B7-A6A9-4370-AECB-02195DEFB520}" type="slidenum">
               <a:rPr lang="zh-CN" altLang="en-US" smtClean="0"/>
               <a:t>‹#›</a:t>
             </a:fld>
@@ -3003,7 +3003,7 @@
     </p:spTree>
     <p:extLst>
       <p:ext uri="{BB962C8B-B14F-4D97-AF65-F5344CB8AC3E}">
-        <p14:creationId xmlns:p14="http://schemas.microsoft.com/office/powerpoint/2010/main" val="1194346469"/>
+        <p14:creationId xmlns:p14="http://schemas.microsoft.com/office/powerpoint/2010/main" val="1173798302"/>
       </p:ext>
     </p:extLst>
   </p:cSld>
